--- a/ppt/Day2_appendix.pptx
+++ b/ppt/Day2_appendix.pptx
@@ -220,7 +220,7 @@
           <a:p>
             <a:fld id="{915868A9-8120-4894-8173-1ED591CF8D15}" type="datetimeFigureOut">
               <a:rPr kumimoji="1" lang="ja-JP" altLang="en-US" smtClean="0"/>
-              <a:t>2024/6/14</a:t>
+              <a:t>2025/5/23</a:t>
             </a:fld>
             <a:endParaRPr kumimoji="1" lang="ja-JP" altLang="en-US"/>
           </a:p>
@@ -394,7 +394,7 @@
               <a:pPr>
                 <a:defRPr/>
               </a:pPr>
-              <a:t>2024/6/14</a:t>
+              <a:t>2025/5/23</a:t>
             </a:fld>
             <a:endParaRPr lang="ja-JP" altLang="en-US" dirty="0"/>
           </a:p>
@@ -1240,7 +1240,7 @@
             </a:pPr>
             <a:fld id="{2BF223D8-DFD9-4ADB-A816-1B426A864A72}" type="datetime1">
               <a:rPr lang="ja-JP" altLang="en-US" smtClean="0"/>
-              <a:t>2024/6/14</a:t>
+              <a:t>2025/5/23</a:t>
             </a:fld>
             <a:endParaRPr lang="ja-JP" altLang="en-US" dirty="0"/>
           </a:p>
@@ -1522,7 +1522,7 @@
             </a:pPr>
             <a:fld id="{06EE9211-EDE4-4CB7-B81D-A8F0C031DBA5}" type="datetime1">
               <a:rPr lang="ja-JP" altLang="en-US" smtClean="0"/>
-              <a:t>2024/6/14</a:t>
+              <a:t>2025/5/23</a:t>
             </a:fld>
             <a:endParaRPr lang="ja-JP" altLang="en-US" dirty="0"/>
           </a:p>
@@ -2073,7 +2073,7 @@
           <a:p>
             <a:fld id="{A9821F41-3008-4A78-A714-E6C704D3FB22}" type="datetimeFigureOut">
               <a:rPr kumimoji="1" lang="ja-JP" altLang="en-US" smtClean="0"/>
-              <a:t>2024/6/14</a:t>
+              <a:t>2025/5/23</a:t>
             </a:fld>
             <a:endParaRPr kumimoji="1" lang="ja-JP" altLang="en-US"/>
           </a:p>
@@ -2440,7 +2440,7 @@
           <a:p>
             <a:fld id="{A9821F41-3008-4A78-A714-E6C704D3FB22}" type="datetimeFigureOut">
               <a:rPr kumimoji="1" lang="ja-JP" altLang="en-US" smtClean="0"/>
-              <a:t>2024/6/14</a:t>
+              <a:t>2025/5/23</a:t>
             </a:fld>
             <a:endParaRPr kumimoji="1" lang="ja-JP" altLang="en-US"/>
           </a:p>
@@ -2955,7 +2955,7 @@
           <a:p>
             <a:fld id="{A9821F41-3008-4A78-A714-E6C704D3FB22}" type="datetimeFigureOut">
               <a:rPr kumimoji="1" lang="ja-JP" altLang="en-US" smtClean="0"/>
-              <a:t>2024/6/14</a:t>
+              <a:t>2025/5/23</a:t>
             </a:fld>
             <a:endParaRPr kumimoji="1" lang="ja-JP" altLang="en-US"/>
           </a:p>
@@ -3128,7 +3128,7 @@
           <a:p>
             <a:fld id="{A9821F41-3008-4A78-A714-E6C704D3FB22}" type="datetimeFigureOut">
               <a:rPr kumimoji="1" lang="ja-JP" altLang="en-US" smtClean="0"/>
-              <a:t>2024/6/14</a:t>
+              <a:t>2025/5/23</a:t>
             </a:fld>
             <a:endParaRPr kumimoji="1" lang="ja-JP" altLang="en-US"/>
           </a:p>
@@ -3265,7 +3265,7 @@
           <a:p>
             <a:fld id="{A9821F41-3008-4A78-A714-E6C704D3FB22}" type="datetimeFigureOut">
               <a:rPr kumimoji="1" lang="ja-JP" altLang="en-US" smtClean="0"/>
-              <a:t>2024/6/14</a:t>
+              <a:t>2025/5/23</a:t>
             </a:fld>
             <a:endParaRPr kumimoji="1" lang="ja-JP" altLang="en-US"/>
           </a:p>
@@ -3644,7 +3644,7 @@
             </a:pPr>
             <a:fld id="{0ED243F2-216B-4AD7-A2D5-BD85695EDAE9}" type="datetime1">
               <a:rPr lang="ja-JP" altLang="en-US" smtClean="0"/>
-              <a:t>2024/6/14</a:t>
+              <a:t>2025/5/23</a:t>
             </a:fld>
             <a:endParaRPr lang="ja-JP" altLang="en-US" dirty="0"/>
           </a:p>
@@ -3980,7 +3980,7 @@
             </a:pPr>
             <a:fld id="{E76CFC6F-14F6-4335-9DA4-5814777D2FCA}" type="datetime1">
               <a:rPr lang="ja-JP" altLang="en-US" smtClean="0"/>
-              <a:t>2024/6/14</a:t>
+              <a:t>2025/5/23</a:t>
             </a:fld>
             <a:endParaRPr lang="ja-JP" altLang="en-US" dirty="0"/>
           </a:p>
@@ -4281,7 +4281,7 @@
           <a:p>
             <a:fld id="{A9821F41-3008-4A78-A714-E6C704D3FB22}" type="datetimeFigureOut">
               <a:rPr kumimoji="1" lang="ja-JP" altLang="en-US" smtClean="0"/>
-              <a:t>2024/6/14</a:t>
+              <a:t>2025/5/23</a:t>
             </a:fld>
             <a:endParaRPr kumimoji="1" lang="ja-JP" altLang="en-US"/>
           </a:p>
@@ -4735,16 +4735,12 @@
           <a:lstStyle/>
           <a:p>
             <a:r>
-              <a:rPr lang="en-US" altLang="ja-JP" sz="4800"/>
-              <a:t>2024</a:t>
-            </a:r>
-            <a:r>
-              <a:rPr lang="ja-JP" altLang="en-US" sz="4800"/>
-              <a:t>年度 </a:t>
+              <a:rPr lang="en-US" altLang="ja-JP" sz="4800" dirty="0"/>
+              <a:t>2025</a:t>
             </a:r>
             <a:r>
               <a:rPr lang="ja-JP" altLang="en-US" sz="4800" dirty="0"/>
-              <a:t>複雑理工学実験概論</a:t>
+              <a:t>年度 複雑理工学実験概論</a:t>
             </a:r>
             <a:br>
               <a:rPr lang="en-US" altLang="ja-JP" sz="4800" dirty="0"/>
@@ -4765,7 +4761,7 @@
               <a:t>2</a:t>
             </a:r>
             <a:r>
-              <a:rPr lang="ja-JP" altLang="en-US" sz="4800" dirty="0"/>
+              <a:rPr lang="ja-JP" altLang="en-US" sz="4800"/>
               <a:t>回</a:t>
             </a:r>
             <a:endParaRPr lang="ja-JP" altLang="en-US" sz="4400" dirty="0"/>
@@ -4805,7 +4801,7 @@
           <a:p>
             <a:r>
               <a:rPr lang="en-US" altLang="ja-JP" sz="2800" dirty="0"/>
-              <a:t>2024</a:t>
+              <a:t>2025</a:t>
             </a:r>
             <a:r>
               <a:rPr lang="ja-JP" altLang="en-US" sz="2800" dirty="0"/>
@@ -4821,7 +4817,7 @@
             </a:r>
             <a:r>
               <a:rPr lang="en-US" altLang="ja-JP" sz="2800" dirty="0"/>
-              <a:t>14</a:t>
+              <a:t>6</a:t>
             </a:r>
             <a:r>
               <a:rPr lang="ja-JP" altLang="en-US" sz="2800" dirty="0"/>
@@ -4901,8 +4897,8 @@
           </a:p>
         </p:txBody>
       </p:sp>
-      <mc:AlternateContent xmlns:mc="http://schemas.openxmlformats.org/markup-compatibility/2006">
-        <mc:Choice xmlns:a14="http://schemas.microsoft.com/office/drawing/2010/main" Requires="a14">
+      <mc:AlternateContent xmlns:mc="http://schemas.openxmlformats.org/markup-compatibility/2006" xmlns:a14="http://schemas.microsoft.com/office/drawing/2010/main">
+        <mc:Choice Requires="a14">
           <p:sp>
             <p:nvSpPr>
               <p:cNvPr id="3" name="コンテンツ プレースホルダー 2">
@@ -5123,7 +5119,7 @@
             </p:txBody>
           </p:sp>
         </mc:Choice>
-        <mc:Fallback>
+        <mc:Fallback xmlns="">
           <p:sp>
             <p:nvSpPr>
               <p:cNvPr id="3" name="コンテンツ プレースホルダー 2">
@@ -5935,8 +5931,8 @@
             </a:fontRef>
           </p:style>
         </p:cxnSp>
-        <mc:AlternateContent xmlns:mc="http://schemas.openxmlformats.org/markup-compatibility/2006">
-          <mc:Choice xmlns:a14="http://schemas.microsoft.com/office/drawing/2010/main" Requires="a14">
+        <mc:AlternateContent xmlns:mc="http://schemas.openxmlformats.org/markup-compatibility/2006" xmlns:a14="http://schemas.microsoft.com/office/drawing/2010/main">
+          <mc:Choice Requires="a14">
             <p:sp>
               <p:nvSpPr>
                 <p:cNvPr id="68" name="正方形/長方形 67">
@@ -6044,7 +6040,7 @@
               </p:txBody>
             </p:sp>
           </mc:Choice>
-          <mc:Fallback>
+          <mc:Fallback xmlns="">
             <p:sp>
               <p:nvSpPr>
                 <p:cNvPr id="68" name="正方形/長方形 67">
@@ -6089,8 +6085,8 @@
             </p:sp>
           </mc:Fallback>
         </mc:AlternateContent>
-        <mc:AlternateContent xmlns:mc="http://schemas.openxmlformats.org/markup-compatibility/2006">
-          <mc:Choice xmlns:a14="http://schemas.microsoft.com/office/drawing/2010/main" Requires="a14">
+        <mc:AlternateContent xmlns:mc="http://schemas.openxmlformats.org/markup-compatibility/2006" xmlns:a14="http://schemas.microsoft.com/office/drawing/2010/main">
+          <mc:Choice Requires="a14">
             <p:sp>
               <p:nvSpPr>
                 <p:cNvPr id="69" name="正方形/長方形 68">
@@ -6198,7 +6194,7 @@
               </p:txBody>
             </p:sp>
           </mc:Choice>
-          <mc:Fallback>
+          <mc:Fallback xmlns="">
             <p:sp>
               <p:nvSpPr>
                 <p:cNvPr id="69" name="正方形/長方形 68">
@@ -6389,8 +6385,8 @@
             </a:fontRef>
           </p:style>
         </p:cxnSp>
-        <mc:AlternateContent xmlns:mc="http://schemas.openxmlformats.org/markup-compatibility/2006">
-          <mc:Choice xmlns:a14="http://schemas.microsoft.com/office/drawing/2010/main" Requires="a14">
+        <mc:AlternateContent xmlns:mc="http://schemas.openxmlformats.org/markup-compatibility/2006" xmlns:a14="http://schemas.microsoft.com/office/drawing/2010/main">
+          <mc:Choice Requires="a14">
             <p:sp>
               <p:nvSpPr>
                 <p:cNvPr id="73" name="正方形/長方形 72">
@@ -6498,7 +6494,7 @@
               </p:txBody>
             </p:sp>
           </mc:Choice>
-          <mc:Fallback>
+          <mc:Fallback xmlns="">
             <p:sp>
               <p:nvSpPr>
                 <p:cNvPr id="73" name="正方形/長方形 72">
@@ -6543,8 +6539,8 @@
             </p:sp>
           </mc:Fallback>
         </mc:AlternateContent>
-        <mc:AlternateContent xmlns:mc="http://schemas.openxmlformats.org/markup-compatibility/2006">
-          <mc:Choice xmlns:a14="http://schemas.microsoft.com/office/drawing/2010/main" Requires="a14">
+        <mc:AlternateContent xmlns:mc="http://schemas.openxmlformats.org/markup-compatibility/2006" xmlns:a14="http://schemas.microsoft.com/office/drawing/2010/main">
+          <mc:Choice Requires="a14">
             <p:sp>
               <p:nvSpPr>
                 <p:cNvPr id="74" name="正方形/長方形 73">
@@ -6652,7 +6648,7 @@
               </p:txBody>
             </p:sp>
           </mc:Choice>
-          <mc:Fallback>
+          <mc:Fallback xmlns="">
             <p:sp>
               <p:nvSpPr>
                 <p:cNvPr id="74" name="正方形/長方形 73">
@@ -6697,8 +6693,8 @@
             </p:sp>
           </mc:Fallback>
         </mc:AlternateContent>
-        <mc:AlternateContent xmlns:mc="http://schemas.openxmlformats.org/markup-compatibility/2006">
-          <mc:Choice xmlns:a14="http://schemas.microsoft.com/office/drawing/2010/main" Requires="a14">
+        <mc:AlternateContent xmlns:mc="http://schemas.openxmlformats.org/markup-compatibility/2006" xmlns:a14="http://schemas.microsoft.com/office/drawing/2010/main">
+          <mc:Choice Requires="a14">
             <p:sp>
               <p:nvSpPr>
                 <p:cNvPr id="75" name="正方形/長方形 74">
@@ -6962,7 +6958,7 @@
               </p:txBody>
             </p:sp>
           </mc:Choice>
-          <mc:Fallback>
+          <mc:Fallback xmlns="">
             <p:sp>
               <p:nvSpPr>
                 <p:cNvPr id="75" name="正方形/長方形 74">
@@ -7153,8 +7149,8 @@
             </a:fontRef>
           </p:style>
         </p:cxnSp>
-        <mc:AlternateContent xmlns:mc="http://schemas.openxmlformats.org/markup-compatibility/2006">
-          <mc:Choice xmlns:a14="http://schemas.microsoft.com/office/drawing/2010/main" Requires="a14">
+        <mc:AlternateContent xmlns:mc="http://schemas.openxmlformats.org/markup-compatibility/2006" xmlns:a14="http://schemas.microsoft.com/office/drawing/2010/main">
+          <mc:Choice Requires="a14">
             <p:sp>
               <p:nvSpPr>
                 <p:cNvPr id="79" name="正方形/長方形 78">
@@ -7418,7 +7414,7 @@
               </p:txBody>
             </p:sp>
           </mc:Choice>
-          <mc:Fallback>
+          <mc:Fallback xmlns="">
             <p:sp>
               <p:nvSpPr>
                 <p:cNvPr id="79" name="正方形/長方形 78">
@@ -7654,8 +7650,8 @@
             </a:fontRef>
           </p:style>
         </p:cxnSp>
-        <mc:AlternateContent xmlns:mc="http://schemas.openxmlformats.org/markup-compatibility/2006">
-          <mc:Choice xmlns:a14="http://schemas.microsoft.com/office/drawing/2010/main" Requires="a14">
+        <mc:AlternateContent xmlns:mc="http://schemas.openxmlformats.org/markup-compatibility/2006" xmlns:a14="http://schemas.microsoft.com/office/drawing/2010/main">
+          <mc:Choice Requires="a14">
             <p:sp>
               <p:nvSpPr>
                 <p:cNvPr id="84" name="正方形/長方形 83">
@@ -7738,7 +7734,7 @@
               </p:txBody>
             </p:sp>
           </mc:Choice>
-          <mc:Fallback>
+          <mc:Fallback xmlns="">
             <p:sp>
               <p:nvSpPr>
                 <p:cNvPr id="84" name="正方形/長方形 83">
@@ -7783,8 +7779,8 @@
             </p:sp>
           </mc:Fallback>
         </mc:AlternateContent>
-        <mc:AlternateContent xmlns:mc="http://schemas.openxmlformats.org/markup-compatibility/2006">
-          <mc:Choice xmlns:a14="http://schemas.microsoft.com/office/drawing/2010/main" Requires="a14">
+        <mc:AlternateContent xmlns:mc="http://schemas.openxmlformats.org/markup-compatibility/2006" xmlns:a14="http://schemas.microsoft.com/office/drawing/2010/main">
+          <mc:Choice Requires="a14">
             <p:sp>
               <p:nvSpPr>
                 <p:cNvPr id="85" name="正方形/長方形 84">
@@ -7867,7 +7863,7 @@
               </p:txBody>
             </p:sp>
           </mc:Choice>
-          <mc:Fallback>
+          <mc:Fallback xmlns="">
             <p:sp>
               <p:nvSpPr>
                 <p:cNvPr id="85" name="正方形/長方形 84">
@@ -7912,8 +7908,8 @@
             </p:sp>
           </mc:Fallback>
         </mc:AlternateContent>
-        <mc:AlternateContent xmlns:mc="http://schemas.openxmlformats.org/markup-compatibility/2006">
-          <mc:Choice xmlns:a14="http://schemas.microsoft.com/office/drawing/2010/main" Requires="a14">
+        <mc:AlternateContent xmlns:mc="http://schemas.openxmlformats.org/markup-compatibility/2006" xmlns:a14="http://schemas.microsoft.com/office/drawing/2010/main">
+          <mc:Choice Requires="a14">
             <p:sp>
               <p:nvSpPr>
                 <p:cNvPr id="86" name="正方形/長方形 85">
@@ -8014,7 +8010,7 @@
               </p:txBody>
             </p:sp>
           </mc:Choice>
-          <mc:Fallback>
+          <mc:Fallback xmlns="">
             <p:sp>
               <p:nvSpPr>
                 <p:cNvPr id="86" name="正方形/長方形 85">
@@ -8205,8 +8201,8 @@
             </a:fontRef>
           </p:style>
         </p:cxnSp>
-        <mc:AlternateContent xmlns:mc="http://schemas.openxmlformats.org/markup-compatibility/2006">
-          <mc:Choice xmlns:a14="http://schemas.microsoft.com/office/drawing/2010/main" Requires="a14">
+        <mc:AlternateContent xmlns:mc="http://schemas.openxmlformats.org/markup-compatibility/2006" xmlns:a14="http://schemas.microsoft.com/office/drawing/2010/main">
+          <mc:Choice Requires="a14">
             <p:sp>
               <p:nvSpPr>
                 <p:cNvPr id="90" name="正方形/長方形 89">
@@ -8307,7 +8303,7 @@
               </p:txBody>
             </p:sp>
           </mc:Choice>
-          <mc:Fallback>
+          <mc:Fallback xmlns="">
             <p:sp>
               <p:nvSpPr>
                 <p:cNvPr id="90" name="正方形/長方形 89">
@@ -8397,8 +8393,8 @@
             </a:p>
           </p:txBody>
         </p:sp>
-        <mc:AlternateContent xmlns:mc="http://schemas.openxmlformats.org/markup-compatibility/2006">
-          <mc:Choice xmlns:a14="http://schemas.microsoft.com/office/drawing/2010/main" Requires="a14">
+        <mc:AlternateContent xmlns:mc="http://schemas.openxmlformats.org/markup-compatibility/2006" xmlns:a14="http://schemas.microsoft.com/office/drawing/2010/main">
+          <mc:Choice Requires="a14">
             <p:sp>
               <p:nvSpPr>
                 <p:cNvPr id="92" name="テキスト ボックス 91">
@@ -8491,7 +8487,7 @@
               </p:txBody>
             </p:sp>
           </mc:Choice>
-          <mc:Fallback>
+          <mc:Fallback xmlns="">
             <p:sp>
               <p:nvSpPr>
                 <p:cNvPr id="92" name="テキスト ボックス 91">
@@ -8536,8 +8532,8 @@
             </p:sp>
           </mc:Fallback>
         </mc:AlternateContent>
-        <mc:AlternateContent xmlns:mc="http://schemas.openxmlformats.org/markup-compatibility/2006">
-          <mc:Choice xmlns:a14="http://schemas.microsoft.com/office/drawing/2010/main" Requires="a14">
+        <mc:AlternateContent xmlns:mc="http://schemas.openxmlformats.org/markup-compatibility/2006" xmlns:a14="http://schemas.microsoft.com/office/drawing/2010/main">
+          <mc:Choice Requires="a14">
             <p:sp>
               <p:nvSpPr>
                 <p:cNvPr id="93" name="テキスト ボックス 92">
@@ -8613,7 +8609,7 @@
               </p:txBody>
             </p:sp>
           </mc:Choice>
-          <mc:Fallback>
+          <mc:Fallback xmlns="">
             <p:sp>
               <p:nvSpPr>
                 <p:cNvPr id="93" name="テキスト ボックス 92">
@@ -8816,8 +8812,8 @@
           </a:p>
         </p:txBody>
       </p:sp>
-      <mc:AlternateContent xmlns:mc="http://schemas.openxmlformats.org/markup-compatibility/2006">
-        <mc:Choice xmlns:a14="http://schemas.microsoft.com/office/drawing/2010/main" Requires="a14">
+      <mc:AlternateContent xmlns:mc="http://schemas.openxmlformats.org/markup-compatibility/2006" xmlns:a14="http://schemas.microsoft.com/office/drawing/2010/main">
+        <mc:Choice Requires="a14">
           <p:sp>
             <p:nvSpPr>
               <p:cNvPr id="3" name="コンテンツ プレースホルダー 2">
@@ -8976,7 +8972,7 @@
             </p:txBody>
           </p:sp>
         </mc:Choice>
-        <mc:Fallback>
+        <mc:Fallback xmlns="">
           <p:sp>
             <p:nvSpPr>
               <p:cNvPr id="3" name="コンテンツ プレースホルダー 2">
@@ -9564,8 +9560,8 @@
           </mc:Fallback>
         </mc:AlternateContent>
       </p:grpSp>
-      <mc:AlternateContent xmlns:mc="http://schemas.openxmlformats.org/markup-compatibility/2006">
-        <mc:Choice xmlns:a14="http://schemas.microsoft.com/office/drawing/2010/main" Requires="a14">
+      <mc:AlternateContent xmlns:mc="http://schemas.openxmlformats.org/markup-compatibility/2006" xmlns:a14="http://schemas.microsoft.com/office/drawing/2010/main">
+        <mc:Choice Requires="a14">
           <p:sp>
             <p:nvSpPr>
               <p:cNvPr id="11" name="正方形/長方形 10">
@@ -9871,7 +9867,7 @@
             </p:txBody>
           </p:sp>
         </mc:Choice>
-        <mc:Fallback>
+        <mc:Fallback xmlns="">
           <p:sp>
             <p:nvSpPr>
               <p:cNvPr id="11" name="正方形/長方形 10">
@@ -10679,8 +10675,8 @@
           </mc:Fallback>
         </mc:AlternateContent>
       </p:grpSp>
-      <mc:AlternateContent xmlns:mc="http://schemas.openxmlformats.org/markup-compatibility/2006">
-        <mc:Choice xmlns:a14="http://schemas.microsoft.com/office/drawing/2010/main" Requires="a14">
+      <mc:AlternateContent xmlns:mc="http://schemas.openxmlformats.org/markup-compatibility/2006" xmlns:a14="http://schemas.microsoft.com/office/drawing/2010/main">
+        <mc:Choice Requires="a14">
           <p:sp>
             <p:nvSpPr>
               <p:cNvPr id="21" name="正方形/長方形 20">
@@ -10848,7 +10844,7 @@
             </p:txBody>
           </p:sp>
         </mc:Choice>
-        <mc:Fallback>
+        <mc:Fallback xmlns="">
           <p:sp>
             <p:nvSpPr>
               <p:cNvPr id="21" name="正方形/長方形 20">
@@ -11106,8 +11102,8 @@
           </a:p>
         </p:txBody>
       </p:sp>
-      <mc:AlternateContent xmlns:mc="http://schemas.openxmlformats.org/markup-compatibility/2006">
-        <mc:Choice xmlns:a14="http://schemas.microsoft.com/office/drawing/2010/main" Requires="a14">
+      <mc:AlternateContent xmlns:mc="http://schemas.openxmlformats.org/markup-compatibility/2006" xmlns:a14="http://schemas.microsoft.com/office/drawing/2010/main">
+        <mc:Choice Requires="a14">
           <p:sp>
             <p:nvSpPr>
               <p:cNvPr id="30" name="正方形/長方形 29">
@@ -11265,7 +11261,7 @@
             </p:txBody>
           </p:sp>
         </mc:Choice>
-        <mc:Fallback>
+        <mc:Fallback xmlns="">
           <p:sp>
             <p:nvSpPr>
               <p:cNvPr id="30" name="正方形/長方形 29">
@@ -11310,8 +11306,8 @@
           </p:sp>
         </mc:Fallback>
       </mc:AlternateContent>
-      <mc:AlternateContent xmlns:mc="http://schemas.openxmlformats.org/markup-compatibility/2006">
-        <mc:Choice xmlns:a14="http://schemas.microsoft.com/office/drawing/2010/main" Requires="a14">
+      <mc:AlternateContent xmlns:mc="http://schemas.openxmlformats.org/markup-compatibility/2006" xmlns:a14="http://schemas.microsoft.com/office/drawing/2010/main">
+        <mc:Choice Requires="a14">
           <p:sp>
             <p:nvSpPr>
               <p:cNvPr id="31" name="正方形/長方形 30">
@@ -11469,7 +11465,7 @@
             </p:txBody>
           </p:sp>
         </mc:Choice>
-        <mc:Fallback>
+        <mc:Fallback xmlns="">
           <p:sp>
             <p:nvSpPr>
               <p:cNvPr id="31" name="正方形/長方形 30">
@@ -11514,8 +11510,8 @@
           </p:sp>
         </mc:Fallback>
       </mc:AlternateContent>
-      <mc:AlternateContent xmlns:mc="http://schemas.openxmlformats.org/markup-compatibility/2006">
-        <mc:Choice xmlns:a14="http://schemas.microsoft.com/office/drawing/2010/main" Requires="a14">
+      <mc:AlternateContent xmlns:mc="http://schemas.openxmlformats.org/markup-compatibility/2006" xmlns:a14="http://schemas.microsoft.com/office/drawing/2010/main">
+        <mc:Choice Requires="a14">
           <p:sp>
             <p:nvSpPr>
               <p:cNvPr id="32" name="正方形/長方形 31">
@@ -11673,7 +11669,7 @@
             </p:txBody>
           </p:sp>
         </mc:Choice>
-        <mc:Fallback>
+        <mc:Fallback xmlns="">
           <p:sp>
             <p:nvSpPr>
               <p:cNvPr id="32" name="正方形/長方形 31">
@@ -12112,8 +12108,8 @@
           </a:prstGeom>
         </p:spPr>
       </p:pic>
-      <mc:AlternateContent xmlns:mc="http://schemas.openxmlformats.org/markup-compatibility/2006">
-        <mc:Choice xmlns:a14="http://schemas.microsoft.com/office/drawing/2010/main" Requires="a14">
+      <mc:AlternateContent xmlns:mc="http://schemas.openxmlformats.org/markup-compatibility/2006" xmlns:a14="http://schemas.microsoft.com/office/drawing/2010/main">
+        <mc:Choice Requires="a14">
           <p:sp>
             <p:nvSpPr>
               <p:cNvPr id="5" name="正方形/長方形 4">
@@ -12183,7 +12179,7 @@
             </p:txBody>
           </p:sp>
         </mc:Choice>
-        <mc:Fallback>
+        <mc:Fallback xmlns="">
           <p:sp>
             <p:nvSpPr>
               <p:cNvPr id="5" name="正方形/長方形 4">
@@ -12228,8 +12224,8 @@
           </p:sp>
         </mc:Fallback>
       </mc:AlternateContent>
-      <mc:AlternateContent xmlns:mc="http://schemas.openxmlformats.org/markup-compatibility/2006">
-        <mc:Choice xmlns:a14="http://schemas.microsoft.com/office/drawing/2010/main" Requires="a14">
+      <mc:AlternateContent xmlns:mc="http://schemas.openxmlformats.org/markup-compatibility/2006" xmlns:a14="http://schemas.microsoft.com/office/drawing/2010/main">
+        <mc:Choice Requires="a14">
           <p:sp>
             <p:nvSpPr>
               <p:cNvPr id="6" name="正方形/長方形 5">
@@ -12285,7 +12281,7 @@
             </p:txBody>
           </p:sp>
         </mc:Choice>
-        <mc:Fallback>
+        <mc:Fallback xmlns="">
           <p:sp>
             <p:nvSpPr>
               <p:cNvPr id="6" name="正方形/長方形 5">
@@ -12591,8 +12587,8 @@
           </a:p>
         </p:txBody>
       </p:sp>
-      <mc:AlternateContent xmlns:mc="http://schemas.openxmlformats.org/markup-compatibility/2006">
-        <mc:Choice xmlns:a14="http://schemas.microsoft.com/office/drawing/2010/main" Requires="a14">
+      <mc:AlternateContent xmlns:mc="http://schemas.openxmlformats.org/markup-compatibility/2006" xmlns:a14="http://schemas.microsoft.com/office/drawing/2010/main">
+        <mc:Choice Requires="a14">
           <p:sp>
             <p:nvSpPr>
               <p:cNvPr id="13" name="テキスト ボックス 12">
@@ -12756,7 +12752,7 @@
             </p:txBody>
           </p:sp>
         </mc:Choice>
-        <mc:Fallback>
+        <mc:Fallback xmlns="">
           <p:sp>
             <p:nvSpPr>
               <p:cNvPr id="13" name="テキスト ボックス 12">
@@ -13144,8 +13140,8 @@
           </a:p>
         </p:txBody>
       </p:sp>
-      <mc:AlternateContent xmlns:mc="http://schemas.openxmlformats.org/markup-compatibility/2006">
-        <mc:Choice xmlns:a14="http://schemas.microsoft.com/office/drawing/2010/main" Requires="a14">
+      <mc:AlternateContent xmlns:mc="http://schemas.openxmlformats.org/markup-compatibility/2006" xmlns:a14="http://schemas.microsoft.com/office/drawing/2010/main">
+        <mc:Choice Requires="a14">
           <p:sp>
             <p:nvSpPr>
               <p:cNvPr id="6" name="正方形/長方形 5">
@@ -13231,7 +13227,7 @@
             </p:txBody>
           </p:sp>
         </mc:Choice>
-        <mc:Fallback>
+        <mc:Fallback xmlns="">
           <p:sp>
             <p:nvSpPr>
               <p:cNvPr id="6" name="正方形/長方形 5">
@@ -13279,8 +13275,8 @@
           </p:sp>
         </mc:Fallback>
       </mc:AlternateContent>
-      <mc:AlternateContent xmlns:mc="http://schemas.openxmlformats.org/markup-compatibility/2006">
-        <mc:Choice xmlns:a14="http://schemas.microsoft.com/office/drawing/2010/main" Requires="a14">
+      <mc:AlternateContent xmlns:mc="http://schemas.openxmlformats.org/markup-compatibility/2006" xmlns:a14="http://schemas.microsoft.com/office/drawing/2010/main">
+        <mc:Choice Requires="a14">
           <p:sp>
             <p:nvSpPr>
               <p:cNvPr id="7" name="正方形/長方形 6">
@@ -13366,7 +13362,7 @@
             </p:txBody>
           </p:sp>
         </mc:Choice>
-        <mc:Fallback>
+        <mc:Fallback xmlns="">
           <p:sp>
             <p:nvSpPr>
               <p:cNvPr id="7" name="正方形/長方形 6">
@@ -13503,8 +13499,8 @@
           </a:p>
         </p:txBody>
       </p:sp>
-      <mc:AlternateContent xmlns:mc="http://schemas.openxmlformats.org/markup-compatibility/2006">
-        <mc:Choice xmlns:a14="http://schemas.microsoft.com/office/drawing/2010/main" Requires="a14">
+      <mc:AlternateContent xmlns:mc="http://schemas.openxmlformats.org/markup-compatibility/2006" xmlns:a14="http://schemas.microsoft.com/office/drawing/2010/main">
+        <mc:Choice Requires="a14">
           <p:sp>
             <p:nvSpPr>
               <p:cNvPr id="11" name="正方形/長方形 10">
@@ -13566,7 +13562,7 @@
             </p:txBody>
           </p:sp>
         </mc:Choice>
-        <mc:Fallback>
+        <mc:Fallback xmlns="">
           <p:sp>
             <p:nvSpPr>
               <p:cNvPr id="11" name="正方形/長方形 10">
@@ -13748,8 +13744,8 @@
           </a:p>
         </p:txBody>
       </p:sp>
-      <mc:AlternateContent xmlns:mc="http://schemas.openxmlformats.org/markup-compatibility/2006">
-        <mc:Choice xmlns:a14="http://schemas.microsoft.com/office/drawing/2010/main" Requires="a14">
+      <mc:AlternateContent xmlns:mc="http://schemas.openxmlformats.org/markup-compatibility/2006" xmlns:a14="http://schemas.microsoft.com/office/drawing/2010/main">
+        <mc:Choice Requires="a14">
           <p:sp>
             <p:nvSpPr>
               <p:cNvPr id="15" name="正方形/長方形 14">
@@ -13832,7 +13828,7 @@
             </p:txBody>
           </p:sp>
         </mc:Choice>
-        <mc:Fallback>
+        <mc:Fallback xmlns="">
           <p:sp>
             <p:nvSpPr>
               <p:cNvPr id="15" name="正方形/長方形 14">
@@ -14278,8 +14274,8 @@
           </a:p>
         </p:txBody>
       </p:sp>
-      <mc:AlternateContent xmlns:mc="http://schemas.openxmlformats.org/markup-compatibility/2006">
-        <mc:Choice xmlns:a14="http://schemas.microsoft.com/office/drawing/2010/main" Requires="a14">
+      <mc:AlternateContent xmlns:mc="http://schemas.openxmlformats.org/markup-compatibility/2006" xmlns:a14="http://schemas.microsoft.com/office/drawing/2010/main">
+        <mc:Choice Requires="a14">
           <p:sp>
             <p:nvSpPr>
               <p:cNvPr id="27" name="テキスト ボックス 26">
@@ -14333,7 +14329,7 @@
             </p:txBody>
           </p:sp>
         </mc:Choice>
-        <mc:Fallback>
+        <mc:Fallback xmlns="">
           <p:sp>
             <p:nvSpPr>
               <p:cNvPr id="27" name="テキスト ボックス 26">
@@ -14821,8 +14817,8 @@
           </p:txBody>
         </p:sp>
       </p:grpSp>
-      <mc:AlternateContent xmlns:mc="http://schemas.openxmlformats.org/markup-compatibility/2006">
-        <mc:Choice xmlns:a14="http://schemas.microsoft.com/office/drawing/2010/main" Requires="a14">
+      <mc:AlternateContent xmlns:mc="http://schemas.openxmlformats.org/markup-compatibility/2006" xmlns:a14="http://schemas.microsoft.com/office/drawing/2010/main">
+        <mc:Choice Requires="a14">
           <p:sp>
             <p:nvSpPr>
               <p:cNvPr id="43" name="正方形/長方形 42">
@@ -14905,7 +14901,7 @@
             </p:txBody>
           </p:sp>
         </mc:Choice>
-        <mc:Fallback>
+        <mc:Fallback xmlns="">
           <p:sp>
             <p:nvSpPr>
               <p:cNvPr id="43" name="正方形/長方形 42">
@@ -15351,8 +15347,8 @@
           </a:p>
         </p:txBody>
       </p:sp>
-      <mc:AlternateContent xmlns:mc="http://schemas.openxmlformats.org/markup-compatibility/2006">
-        <mc:Choice xmlns:a14="http://schemas.microsoft.com/office/drawing/2010/main" Requires="a14">
+      <mc:AlternateContent xmlns:mc="http://schemas.openxmlformats.org/markup-compatibility/2006" xmlns:a14="http://schemas.microsoft.com/office/drawing/2010/main">
+        <mc:Choice Requires="a14">
           <p:sp>
             <p:nvSpPr>
               <p:cNvPr id="53" name="テキスト ボックス 52">
@@ -15406,7 +15402,7 @@
             </p:txBody>
           </p:sp>
         </mc:Choice>
-        <mc:Fallback>
+        <mc:Fallback xmlns="">
           <p:sp>
             <p:nvSpPr>
               <p:cNvPr id="53" name="テキスト ボックス 52">
@@ -15969,8 +15965,8 @@
           </a:fontRef>
         </p:style>
       </p:cxnSp>
-      <mc:AlternateContent xmlns:mc="http://schemas.openxmlformats.org/markup-compatibility/2006">
-        <mc:Choice xmlns:a14="http://schemas.microsoft.com/office/drawing/2010/main" Requires="a14">
+      <mc:AlternateContent xmlns:mc="http://schemas.openxmlformats.org/markup-compatibility/2006" xmlns:a14="http://schemas.microsoft.com/office/drawing/2010/main">
+        <mc:Choice Requires="a14">
           <p:sp>
             <p:nvSpPr>
               <p:cNvPr id="3" name="正方形/長方形 2">
@@ -16073,7 +16069,7 @@
             </p:txBody>
           </p:sp>
         </mc:Choice>
-        <mc:Fallback>
+        <mc:Fallback xmlns="">
           <p:sp>
             <p:nvSpPr>
               <p:cNvPr id="3" name="正方形/長方形 2">
@@ -16279,8 +16275,8 @@
           </a:p>
         </p:txBody>
       </p:sp>
-      <mc:AlternateContent xmlns:mc="http://schemas.openxmlformats.org/markup-compatibility/2006">
-        <mc:Choice xmlns:a14="http://schemas.microsoft.com/office/drawing/2010/main" Requires="a14">
+      <mc:AlternateContent xmlns:mc="http://schemas.openxmlformats.org/markup-compatibility/2006" xmlns:a14="http://schemas.microsoft.com/office/drawing/2010/main">
+        <mc:Choice Requires="a14">
           <p:sp>
             <p:nvSpPr>
               <p:cNvPr id="6" name="正方形/長方形 5">
@@ -16366,7 +16362,7 @@
             </p:txBody>
           </p:sp>
         </mc:Choice>
-        <mc:Fallback>
+        <mc:Fallback xmlns="">
           <p:sp>
             <p:nvSpPr>
               <p:cNvPr id="6" name="正方形/長方形 5">
@@ -16414,8 +16410,8 @@
           </p:sp>
         </mc:Fallback>
       </mc:AlternateContent>
-      <mc:AlternateContent xmlns:mc="http://schemas.openxmlformats.org/markup-compatibility/2006">
-        <mc:Choice xmlns:a14="http://schemas.microsoft.com/office/drawing/2010/main" Requires="a14">
+      <mc:AlternateContent xmlns:mc="http://schemas.openxmlformats.org/markup-compatibility/2006" xmlns:a14="http://schemas.microsoft.com/office/drawing/2010/main">
+        <mc:Choice Requires="a14">
           <p:sp>
             <p:nvSpPr>
               <p:cNvPr id="7" name="正方形/長方形 6">
@@ -16501,7 +16497,7 @@
             </p:txBody>
           </p:sp>
         </mc:Choice>
-        <mc:Fallback>
+        <mc:Fallback xmlns="">
           <p:sp>
             <p:nvSpPr>
               <p:cNvPr id="7" name="正方形/長方形 6">
@@ -16620,8 +16616,8 @@
           </a:p>
         </p:txBody>
       </p:sp>
-      <mc:AlternateContent xmlns:mc="http://schemas.openxmlformats.org/markup-compatibility/2006">
-        <mc:Choice xmlns:a14="http://schemas.microsoft.com/office/drawing/2010/main" Requires="a14">
+      <mc:AlternateContent xmlns:mc="http://schemas.openxmlformats.org/markup-compatibility/2006" xmlns:a14="http://schemas.microsoft.com/office/drawing/2010/main">
+        <mc:Choice Requires="a14">
           <p:sp>
             <p:nvSpPr>
               <p:cNvPr id="15" name="正方形/長方形 14">
@@ -16704,7 +16700,7 @@
             </p:txBody>
           </p:sp>
         </mc:Choice>
-        <mc:Fallback>
+        <mc:Fallback xmlns="">
           <p:sp>
             <p:nvSpPr>
               <p:cNvPr id="15" name="正方形/長方形 14">
@@ -17150,8 +17146,8 @@
           </a:p>
         </p:txBody>
       </p:sp>
-      <mc:AlternateContent xmlns:mc="http://schemas.openxmlformats.org/markup-compatibility/2006">
-        <mc:Choice xmlns:a14="http://schemas.microsoft.com/office/drawing/2010/main" Requires="a14">
+      <mc:AlternateContent xmlns:mc="http://schemas.openxmlformats.org/markup-compatibility/2006" xmlns:a14="http://schemas.microsoft.com/office/drawing/2010/main">
+        <mc:Choice Requires="a14">
           <p:sp>
             <p:nvSpPr>
               <p:cNvPr id="27" name="テキスト ボックス 26">
@@ -17205,7 +17201,7 @@
             </p:txBody>
           </p:sp>
         </mc:Choice>
-        <mc:Fallback>
+        <mc:Fallback xmlns="">
           <p:sp>
             <p:nvSpPr>
               <p:cNvPr id="27" name="テキスト ボックス 26">
@@ -17693,8 +17689,8 @@
           </p:txBody>
         </p:sp>
       </p:grpSp>
-      <mc:AlternateContent xmlns:mc="http://schemas.openxmlformats.org/markup-compatibility/2006">
-        <mc:Choice xmlns:a14="http://schemas.microsoft.com/office/drawing/2010/main" Requires="a14">
+      <mc:AlternateContent xmlns:mc="http://schemas.openxmlformats.org/markup-compatibility/2006" xmlns:a14="http://schemas.microsoft.com/office/drawing/2010/main">
+        <mc:Choice Requires="a14">
           <p:sp>
             <p:nvSpPr>
               <p:cNvPr id="43" name="正方形/長方形 42">
@@ -17777,7 +17773,7 @@
             </p:txBody>
           </p:sp>
         </mc:Choice>
-        <mc:Fallback>
+        <mc:Fallback xmlns="">
           <p:sp>
             <p:nvSpPr>
               <p:cNvPr id="43" name="正方形/長方形 42">
@@ -18223,8 +18219,8 @@
           </a:p>
         </p:txBody>
       </p:sp>
-      <mc:AlternateContent xmlns:mc="http://schemas.openxmlformats.org/markup-compatibility/2006">
-        <mc:Choice xmlns:a14="http://schemas.microsoft.com/office/drawing/2010/main" Requires="a14">
+      <mc:AlternateContent xmlns:mc="http://schemas.openxmlformats.org/markup-compatibility/2006" xmlns:a14="http://schemas.microsoft.com/office/drawing/2010/main">
+        <mc:Choice Requires="a14">
           <p:sp>
             <p:nvSpPr>
               <p:cNvPr id="53" name="テキスト ボックス 52">
@@ -18278,7 +18274,7 @@
             </p:txBody>
           </p:sp>
         </mc:Choice>
-        <mc:Fallback>
+        <mc:Fallback xmlns="">
           <p:sp>
             <p:nvSpPr>
               <p:cNvPr id="53" name="テキスト ボックス 52">
@@ -18766,8 +18762,8 @@
           </p:txBody>
         </p:sp>
       </p:grpSp>
-      <mc:AlternateContent xmlns:mc="http://schemas.openxmlformats.org/markup-compatibility/2006">
-        <mc:Choice xmlns:a14="http://schemas.microsoft.com/office/drawing/2010/main" Requires="a14">
+      <mc:AlternateContent xmlns:mc="http://schemas.openxmlformats.org/markup-compatibility/2006" xmlns:a14="http://schemas.microsoft.com/office/drawing/2010/main">
+        <mc:Choice Requires="a14">
           <p:sp>
             <p:nvSpPr>
               <p:cNvPr id="12" name="正方形/長方形 11">
@@ -18870,7 +18866,7 @@
             </p:txBody>
           </p:sp>
         </mc:Choice>
-        <mc:Fallback>
+        <mc:Fallback xmlns="">
           <p:sp>
             <p:nvSpPr>
               <p:cNvPr id="12" name="正方形/長方形 11">
@@ -19086,8 +19082,8 @@
           </a:p>
         </p:txBody>
       </p:sp>
-      <mc:AlternateContent xmlns:mc="http://schemas.openxmlformats.org/markup-compatibility/2006">
-        <mc:Choice xmlns:a14="http://schemas.microsoft.com/office/drawing/2010/main" Requires="a14">
+      <mc:AlternateContent xmlns:mc="http://schemas.openxmlformats.org/markup-compatibility/2006" xmlns:a14="http://schemas.microsoft.com/office/drawing/2010/main">
+        <mc:Choice Requires="a14">
           <p:sp>
             <p:nvSpPr>
               <p:cNvPr id="57" name="正方形/長方形 56">
@@ -19173,7 +19169,7 @@
             </p:txBody>
           </p:sp>
         </mc:Choice>
-        <mc:Fallback>
+        <mc:Fallback xmlns="">
           <p:sp>
             <p:nvSpPr>
               <p:cNvPr id="57" name="正方形/長方形 56">
@@ -19221,8 +19217,8 @@
           </p:sp>
         </mc:Fallback>
       </mc:AlternateContent>
-      <mc:AlternateContent xmlns:mc="http://schemas.openxmlformats.org/markup-compatibility/2006">
-        <mc:Choice xmlns:a14="http://schemas.microsoft.com/office/drawing/2010/main" Requires="a14">
+      <mc:AlternateContent xmlns:mc="http://schemas.openxmlformats.org/markup-compatibility/2006" xmlns:a14="http://schemas.microsoft.com/office/drawing/2010/main">
+        <mc:Choice Requires="a14">
           <p:sp>
             <p:nvSpPr>
               <p:cNvPr id="58" name="正方形/長方形 57">
@@ -19308,7 +19304,7 @@
             </p:txBody>
           </p:sp>
         </mc:Choice>
-        <mc:Fallback>
+        <mc:Fallback xmlns="">
           <p:sp>
             <p:nvSpPr>
               <p:cNvPr id="58" name="正方形/長方形 57">
@@ -19356,8 +19352,8 @@
           </p:sp>
         </mc:Fallback>
       </mc:AlternateContent>
-      <mc:AlternateContent xmlns:mc="http://schemas.openxmlformats.org/markup-compatibility/2006">
-        <mc:Choice xmlns:a14="http://schemas.microsoft.com/office/drawing/2010/main" Requires="a14">
+      <mc:AlternateContent xmlns:mc="http://schemas.openxmlformats.org/markup-compatibility/2006" xmlns:a14="http://schemas.microsoft.com/office/drawing/2010/main">
+        <mc:Choice Requires="a14">
           <p:sp>
             <p:nvSpPr>
               <p:cNvPr id="59" name="正方形/長方形 58">
@@ -19446,7 +19442,7 @@
             </p:txBody>
           </p:sp>
         </mc:Choice>
-        <mc:Fallback>
+        <mc:Fallback xmlns="">
           <p:sp>
             <p:nvSpPr>
               <p:cNvPr id="59" name="正方形/長方形 58">
@@ -19639,8 +19635,8 @@
           </a:fontRef>
         </p:style>
       </p:cxnSp>
-      <mc:AlternateContent xmlns:mc="http://schemas.openxmlformats.org/markup-compatibility/2006">
-        <mc:Choice xmlns:a14="http://schemas.microsoft.com/office/drawing/2010/main" Requires="a14">
+      <mc:AlternateContent xmlns:mc="http://schemas.openxmlformats.org/markup-compatibility/2006" xmlns:a14="http://schemas.microsoft.com/office/drawing/2010/main">
+        <mc:Choice Requires="a14">
           <p:sp>
             <p:nvSpPr>
               <p:cNvPr id="63" name="正方形/長方形 62">
@@ -19743,7 +19739,7 @@
             </p:txBody>
           </p:sp>
         </mc:Choice>
-        <mc:Fallback>
+        <mc:Fallback xmlns="">
           <p:sp>
             <p:nvSpPr>
               <p:cNvPr id="63" name="正方形/長方形 62">
@@ -19958,8 +19954,8 @@
           </a:p>
         </p:txBody>
       </p:sp>
-      <mc:AlternateContent xmlns:mc="http://schemas.openxmlformats.org/markup-compatibility/2006">
-        <mc:Choice xmlns:a14="http://schemas.microsoft.com/office/drawing/2010/main" Requires="a14">
+      <mc:AlternateContent xmlns:mc="http://schemas.openxmlformats.org/markup-compatibility/2006" xmlns:a14="http://schemas.microsoft.com/office/drawing/2010/main">
+        <mc:Choice Requires="a14">
           <p:sp>
             <p:nvSpPr>
               <p:cNvPr id="76" name="正方形/長方形 75">
@@ -20048,7 +20044,7 @@
             </p:txBody>
           </p:sp>
         </mc:Choice>
-        <mc:Fallback>
+        <mc:Fallback xmlns="">
           <p:sp>
             <p:nvSpPr>
               <p:cNvPr id="76" name="正方形/長方形 75">
@@ -20096,8 +20092,8 @@
           </p:sp>
         </mc:Fallback>
       </mc:AlternateContent>
-      <mc:AlternateContent xmlns:mc="http://schemas.openxmlformats.org/markup-compatibility/2006">
-        <mc:Choice xmlns:a14="http://schemas.microsoft.com/office/drawing/2010/main" Requires="a14">
+      <mc:AlternateContent xmlns:mc="http://schemas.openxmlformats.org/markup-compatibility/2006" xmlns:a14="http://schemas.microsoft.com/office/drawing/2010/main">
+        <mc:Choice Requires="a14">
           <p:sp>
             <p:nvSpPr>
               <p:cNvPr id="77" name="正方形/長方形 76">
@@ -20180,7 +20176,7 @@
             </p:txBody>
           </p:sp>
         </mc:Choice>
-        <mc:Fallback>
+        <mc:Fallback xmlns="">
           <p:sp>
             <p:nvSpPr>
               <p:cNvPr id="77" name="正方形/長方形 76">
@@ -20581,8 +20577,8 @@
           </a:p>
         </p:txBody>
       </p:sp>
-      <mc:AlternateContent xmlns:mc="http://schemas.openxmlformats.org/markup-compatibility/2006">
-        <mc:Choice xmlns:a14="http://schemas.microsoft.com/office/drawing/2010/main" Requires="a14">
+      <mc:AlternateContent xmlns:mc="http://schemas.openxmlformats.org/markup-compatibility/2006" xmlns:a14="http://schemas.microsoft.com/office/drawing/2010/main">
+        <mc:Choice Requires="a14">
           <p:sp>
             <p:nvSpPr>
               <p:cNvPr id="87" name="テキスト ボックス 86">
@@ -20657,7 +20653,7 @@
             </p:txBody>
           </p:sp>
         </mc:Choice>
-        <mc:Fallback>
+        <mc:Fallback xmlns="">
           <p:sp>
             <p:nvSpPr>
               <p:cNvPr id="87" name="テキスト ボックス 86">
@@ -21234,8 +21230,8 @@
           </a:p>
         </p:txBody>
       </p:sp>
-      <mc:AlternateContent xmlns:mc="http://schemas.openxmlformats.org/markup-compatibility/2006">
-        <mc:Choice xmlns:a14="http://schemas.microsoft.com/office/drawing/2010/main" Requires="a14">
+      <mc:AlternateContent xmlns:mc="http://schemas.openxmlformats.org/markup-compatibility/2006" xmlns:a14="http://schemas.microsoft.com/office/drawing/2010/main">
+        <mc:Choice Requires="a14">
           <p:sp>
             <p:nvSpPr>
               <p:cNvPr id="101" name="テキスト ボックス 100">
@@ -21310,7 +21306,7 @@
             </p:txBody>
           </p:sp>
         </mc:Choice>
-        <mc:Fallback>
+        <mc:Fallback xmlns="">
           <p:sp>
             <p:nvSpPr>
               <p:cNvPr id="101" name="テキスト ボックス 100">
@@ -21355,8 +21351,8 @@
           </p:sp>
         </mc:Fallback>
       </mc:AlternateContent>
-      <mc:AlternateContent xmlns:mc="http://schemas.openxmlformats.org/markup-compatibility/2006">
-        <mc:Choice xmlns:a14="http://schemas.microsoft.com/office/drawing/2010/main" Requires="a14">
+      <mc:AlternateContent xmlns:mc="http://schemas.openxmlformats.org/markup-compatibility/2006" xmlns:a14="http://schemas.microsoft.com/office/drawing/2010/main">
+        <mc:Choice Requires="a14">
           <p:sp>
             <p:nvSpPr>
               <p:cNvPr id="102" name="正方形/長方形 101">
@@ -21439,7 +21435,7 @@
             </p:txBody>
           </p:sp>
         </mc:Choice>
-        <mc:Fallback>
+        <mc:Fallback xmlns="">
           <p:sp>
             <p:nvSpPr>
               <p:cNvPr id="102" name="正方形/長方形 101">
@@ -21885,8 +21881,8 @@
           </a:p>
         </p:txBody>
       </p:sp>
-      <mc:AlternateContent xmlns:mc="http://schemas.openxmlformats.org/markup-compatibility/2006">
-        <mc:Choice xmlns:a14="http://schemas.microsoft.com/office/drawing/2010/main" Requires="a14">
+      <mc:AlternateContent xmlns:mc="http://schemas.openxmlformats.org/markup-compatibility/2006" xmlns:a14="http://schemas.microsoft.com/office/drawing/2010/main">
+        <mc:Choice Requires="a14">
           <p:sp>
             <p:nvSpPr>
               <p:cNvPr id="112" name="テキスト ボックス 111">
@@ -21940,7 +21936,7 @@
             </p:txBody>
           </p:sp>
         </mc:Choice>
-        <mc:Fallback>
+        <mc:Fallback xmlns="">
           <p:sp>
             <p:nvSpPr>
               <p:cNvPr id="112" name="テキスト ボックス 111">
@@ -22683,8 +22679,8 @@
           </a:p>
         </p:txBody>
       </p:sp>
-      <mc:AlternateContent xmlns:mc="http://schemas.openxmlformats.org/markup-compatibility/2006">
-        <mc:Choice xmlns:a14="http://schemas.microsoft.com/office/drawing/2010/main" Requires="a14">
+      <mc:AlternateContent xmlns:mc="http://schemas.openxmlformats.org/markup-compatibility/2006" xmlns:a14="http://schemas.microsoft.com/office/drawing/2010/main">
+        <mc:Choice Requires="a14">
           <p:sp>
             <p:nvSpPr>
               <p:cNvPr id="57" name="正方形/長方形 56">
@@ -22770,7 +22766,7 @@
             </p:txBody>
           </p:sp>
         </mc:Choice>
-        <mc:Fallback>
+        <mc:Fallback xmlns="">
           <p:sp>
             <p:nvSpPr>
               <p:cNvPr id="57" name="正方形/長方形 56">
@@ -22818,8 +22814,8 @@
           </p:sp>
         </mc:Fallback>
       </mc:AlternateContent>
-      <mc:AlternateContent xmlns:mc="http://schemas.openxmlformats.org/markup-compatibility/2006">
-        <mc:Choice xmlns:a14="http://schemas.microsoft.com/office/drawing/2010/main" Requires="a14">
+      <mc:AlternateContent xmlns:mc="http://schemas.openxmlformats.org/markup-compatibility/2006" xmlns:a14="http://schemas.microsoft.com/office/drawing/2010/main">
+        <mc:Choice Requires="a14">
           <p:sp>
             <p:nvSpPr>
               <p:cNvPr id="58" name="正方形/長方形 57">
@@ -22905,7 +22901,7 @@
             </p:txBody>
           </p:sp>
         </mc:Choice>
-        <mc:Fallback>
+        <mc:Fallback xmlns="">
           <p:sp>
             <p:nvSpPr>
               <p:cNvPr id="58" name="正方形/長方形 57">
@@ -22953,8 +22949,8 @@
           </p:sp>
         </mc:Fallback>
       </mc:AlternateContent>
-      <mc:AlternateContent xmlns:mc="http://schemas.openxmlformats.org/markup-compatibility/2006">
-        <mc:Choice xmlns:a14="http://schemas.microsoft.com/office/drawing/2010/main" Requires="a14">
+      <mc:AlternateContent xmlns:mc="http://schemas.openxmlformats.org/markup-compatibility/2006" xmlns:a14="http://schemas.microsoft.com/office/drawing/2010/main">
+        <mc:Choice Requires="a14">
           <p:sp>
             <p:nvSpPr>
               <p:cNvPr id="59" name="正方形/長方形 58">
@@ -23043,7 +23039,7 @@
             </p:txBody>
           </p:sp>
         </mc:Choice>
-        <mc:Fallback>
+        <mc:Fallback xmlns="">
           <p:sp>
             <p:nvSpPr>
               <p:cNvPr id="59" name="正方形/長方形 58">
@@ -23236,8 +23232,8 @@
           </a:fontRef>
         </p:style>
       </p:cxnSp>
-      <mc:AlternateContent xmlns:mc="http://schemas.openxmlformats.org/markup-compatibility/2006">
-        <mc:Choice xmlns:a14="http://schemas.microsoft.com/office/drawing/2010/main" Requires="a14">
+      <mc:AlternateContent xmlns:mc="http://schemas.openxmlformats.org/markup-compatibility/2006" xmlns:a14="http://schemas.microsoft.com/office/drawing/2010/main">
+        <mc:Choice Requires="a14">
           <p:sp>
             <p:nvSpPr>
               <p:cNvPr id="63" name="正方形/長方形 62">
@@ -23340,7 +23336,7 @@
             </p:txBody>
           </p:sp>
         </mc:Choice>
-        <mc:Fallback>
+        <mc:Fallback xmlns="">
           <p:sp>
             <p:nvSpPr>
               <p:cNvPr id="63" name="正方形/長方形 62">
@@ -23555,8 +23551,8 @@
           </a:p>
         </p:txBody>
       </p:sp>
-      <mc:AlternateContent xmlns:mc="http://schemas.openxmlformats.org/markup-compatibility/2006">
-        <mc:Choice xmlns:a14="http://schemas.microsoft.com/office/drawing/2010/main" Requires="a14">
+      <mc:AlternateContent xmlns:mc="http://schemas.openxmlformats.org/markup-compatibility/2006" xmlns:a14="http://schemas.microsoft.com/office/drawing/2010/main">
+        <mc:Choice Requires="a14">
           <p:sp>
             <p:nvSpPr>
               <p:cNvPr id="76" name="正方形/長方形 75">
@@ -23645,7 +23641,7 @@
             </p:txBody>
           </p:sp>
         </mc:Choice>
-        <mc:Fallback>
+        <mc:Fallback xmlns="">
           <p:sp>
             <p:nvSpPr>
               <p:cNvPr id="76" name="正方形/長方形 75">
@@ -23693,8 +23689,8 @@
           </p:sp>
         </mc:Fallback>
       </mc:AlternateContent>
-      <mc:AlternateContent xmlns:mc="http://schemas.openxmlformats.org/markup-compatibility/2006">
-        <mc:Choice xmlns:a14="http://schemas.microsoft.com/office/drawing/2010/main" Requires="a14">
+      <mc:AlternateContent xmlns:mc="http://schemas.openxmlformats.org/markup-compatibility/2006" xmlns:a14="http://schemas.microsoft.com/office/drawing/2010/main">
+        <mc:Choice Requires="a14">
           <p:sp>
             <p:nvSpPr>
               <p:cNvPr id="77" name="正方形/長方形 76">
@@ -23777,7 +23773,7 @@
             </p:txBody>
           </p:sp>
         </mc:Choice>
-        <mc:Fallback>
+        <mc:Fallback xmlns="">
           <p:sp>
             <p:nvSpPr>
               <p:cNvPr id="77" name="正方形/長方形 76">
@@ -24133,8 +24129,8 @@
           </a:p>
         </p:txBody>
       </p:sp>
-      <mc:AlternateContent xmlns:mc="http://schemas.openxmlformats.org/markup-compatibility/2006">
-        <mc:Choice xmlns:a14="http://schemas.microsoft.com/office/drawing/2010/main" Requires="a14">
+      <mc:AlternateContent xmlns:mc="http://schemas.openxmlformats.org/markup-compatibility/2006" xmlns:a14="http://schemas.microsoft.com/office/drawing/2010/main">
+        <mc:Choice Requires="a14">
           <p:sp>
             <p:nvSpPr>
               <p:cNvPr id="87" name="テキスト ボックス 86">
@@ -24209,7 +24205,7 @@
             </p:txBody>
           </p:sp>
         </mc:Choice>
-        <mc:Fallback>
+        <mc:Fallback xmlns="">
           <p:sp>
             <p:nvSpPr>
               <p:cNvPr id="87" name="テキスト ボックス 86">
@@ -24786,8 +24782,8 @@
           </a:p>
         </p:txBody>
       </p:sp>
-      <mc:AlternateContent xmlns:mc="http://schemas.openxmlformats.org/markup-compatibility/2006">
-        <mc:Choice xmlns:a14="http://schemas.microsoft.com/office/drawing/2010/main" Requires="a14">
+      <mc:AlternateContent xmlns:mc="http://schemas.openxmlformats.org/markup-compatibility/2006" xmlns:a14="http://schemas.microsoft.com/office/drawing/2010/main">
+        <mc:Choice Requires="a14">
           <p:sp>
             <p:nvSpPr>
               <p:cNvPr id="101" name="テキスト ボックス 100">
@@ -24862,7 +24858,7 @@
             </p:txBody>
           </p:sp>
         </mc:Choice>
-        <mc:Fallback>
+        <mc:Fallback xmlns="">
           <p:sp>
             <p:nvSpPr>
               <p:cNvPr id="101" name="テキスト ボックス 100">
@@ -24907,8 +24903,8 @@
           </p:sp>
         </mc:Fallback>
       </mc:AlternateContent>
-      <mc:AlternateContent xmlns:mc="http://schemas.openxmlformats.org/markup-compatibility/2006">
-        <mc:Choice xmlns:a14="http://schemas.microsoft.com/office/drawing/2010/main" Requires="a14">
+      <mc:AlternateContent xmlns:mc="http://schemas.openxmlformats.org/markup-compatibility/2006" xmlns:a14="http://schemas.microsoft.com/office/drawing/2010/main">
+        <mc:Choice Requires="a14">
           <p:sp>
             <p:nvSpPr>
               <p:cNvPr id="25" name="正方形/長方形 24">
@@ -25011,7 +25007,7 @@
             </p:txBody>
           </p:sp>
         </mc:Choice>
-        <mc:Fallback>
+        <mc:Fallback xmlns="">
           <p:sp>
             <p:nvSpPr>
               <p:cNvPr id="25" name="正方形/長方形 24">
@@ -25161,8 +25157,8 @@
           </a:p>
         </p:txBody>
       </p:sp>
-      <mc:AlternateContent xmlns:mc="http://schemas.openxmlformats.org/markup-compatibility/2006">
-        <mc:Choice xmlns:a14="http://schemas.microsoft.com/office/drawing/2010/main" Requires="a14">
+      <mc:AlternateContent xmlns:mc="http://schemas.openxmlformats.org/markup-compatibility/2006" xmlns:a14="http://schemas.microsoft.com/office/drawing/2010/main">
+        <mc:Choice Requires="a14">
           <p:sp>
             <p:nvSpPr>
               <p:cNvPr id="28" name="正方形/長方形 27">
@@ -25251,7 +25247,7 @@
             </p:txBody>
           </p:sp>
         </mc:Choice>
-        <mc:Fallback>
+        <mc:Fallback xmlns="">
           <p:sp>
             <p:nvSpPr>
               <p:cNvPr id="28" name="正方形/長方形 27">
@@ -25344,8 +25340,8 @@
           </a:p>
         </p:txBody>
       </p:sp>
-      <mc:AlternateContent xmlns:mc="http://schemas.openxmlformats.org/markup-compatibility/2006">
-        <mc:Choice xmlns:a14="http://schemas.microsoft.com/office/drawing/2010/main" Requires="a14">
+      <mc:AlternateContent xmlns:mc="http://schemas.openxmlformats.org/markup-compatibility/2006" xmlns:a14="http://schemas.microsoft.com/office/drawing/2010/main">
+        <mc:Choice Requires="a14">
           <p:sp>
             <p:nvSpPr>
               <p:cNvPr id="40" name="テキスト ボックス 39">
@@ -25420,7 +25416,7 @@
             </p:txBody>
           </p:sp>
         </mc:Choice>
-        <mc:Fallback>
+        <mc:Fallback xmlns="">
           <p:sp>
             <p:nvSpPr>
               <p:cNvPr id="40" name="テキスト ボックス 39">
